--- a/reports/Credit Card Default.pptx
+++ b/reports/Credit Card Default.pptx
@@ -7317,7 +7317,7 @@
             </a:pPr>
             <a:r>
               <a:rPr lang="en"/>
-              <a:t>Convert all categorical variables into dummy variables.</a:t>
+              <a:t>Convert all categorical variables into dummy variables</a:t>
             </a:r>
             <a:endParaRPr/>
           </a:p>
@@ -7337,7 +7337,7 @@
             </a:r>
             <a:r>
               <a:rPr lang="en"/>
-              <a:t>Yeo-Johnson transformation.</a:t>
+              <a:t>Yeo-Johnson transformation</a:t>
             </a:r>
             <a:endParaRPr/>
           </a:p>
@@ -7353,7 +7353,7 @@
             </a:pPr>
             <a:r>
               <a:rPr lang="en"/>
-              <a:t>Scale all numerical features using Min-Max scaler.</a:t>
+              <a:t>Scale all numerical features using Min-Max scaler</a:t>
             </a:r>
             <a:endParaRPr/>
           </a:p>
@@ -7918,7 +7918,7 @@
             </a:pPr>
             <a:r>
               <a:rPr lang="en" sz="1700"/>
-              <a:t>Decision Tree on undersampled data yielded the best model, according to recall</a:t>
+              <a:t>Decision Tree on under-sampled data yielded the best model, according to recall</a:t>
             </a:r>
             <a:endParaRPr sz="1700"/>
           </a:p>

--- a/reports/Credit Card Default.pptx
+++ b/reports/Credit Card Default.pptx
@@ -8096,35 +8096,6 @@
             </a:r>
             <a:endParaRPr/>
           </a:p>
-          <a:p>
-            <a:pPr indent="-342900" lvl="0" marL="457200" rtl="0" algn="l">
-              <a:spcBef>
-                <a:spcPts val="0"/>
-              </a:spcBef>
-              <a:spcAft>
-                <a:spcPts val="0"/>
-              </a:spcAft>
-              <a:buSzPts val="1800"/>
-              <a:buChar char="-"/>
-            </a:pPr>
-            <a:r>
-              <a:rPr lang="en"/>
-              <a:t>Try A</a:t>
-            </a:r>
-            <a:r>
-              <a:rPr lang="en"/>
-              <a:t>nomaly</a:t>
-            </a:r>
-            <a:r>
-              <a:rPr lang="en"/>
-              <a:t> Detection </a:t>
-            </a:r>
-            <a:r>
-              <a:rPr lang="en"/>
-              <a:t>algorithms</a:t>
-            </a:r>
-            <a:endParaRPr/>
-          </a:p>
         </p:txBody>
       </p:sp>
     </p:spTree>
